--- a/solid-and-fp.pptx
+++ b/solid-and-fp.pptx
@@ -18223,7 +18223,6 @@
               <a:rPr lang="ru-RU" dirty="0" smtClean="0"/>
               <a:t>Отражающие предметную область.</a:t>
             </a:r>
-            <a:endParaRPr lang="ru-RU" dirty="0" smtClean="0"/>
           </a:p>
           <a:p>
             <a:pPr marL="457200" lvl="1" indent="0">
@@ -21829,10 +21828,15 @@
             <p:ph type="title"/>
           </p:nvPr>
         </p:nvSpPr>
-        <p:spPr/>
+        <p:spPr>
+          <a:xfrm>
+            <a:off x="347330" y="509222"/>
+            <a:ext cx="8420986" cy="1325563"/>
+          </a:xfrm>
+        </p:spPr>
         <p:txBody>
           <a:bodyPr>
-            <a:normAutofit/>
+            <a:normAutofit fontScale="90000"/>
           </a:bodyPr>
           <a:lstStyle/>
           <a:p>
@@ -21841,25 +21845,6 @@
               <a:t>Чем плохи зависимости от интерфейсов? </a:t>
             </a:r>
             <a:endParaRPr lang="ru-RU" sz="5400" dirty="0"/>
-          </a:p>
-        </p:txBody>
-      </p:sp>
-      <p:sp>
-        <p:nvSpPr>
-          <p:cNvPr id="5" name="Текст 4"/>
-          <p:cNvSpPr>
-            <a:spLocks noGrp="1"/>
-          </p:cNvSpPr>
-          <p:nvPr>
-            <p:ph type="body" idx="1"/>
-          </p:nvPr>
-        </p:nvSpPr>
-        <p:spPr/>
-        <p:txBody>
-          <a:bodyPr/>
-          <a:lstStyle/>
-          <a:p>
-            <a:endParaRPr lang="ru-RU"/>
           </a:p>
         </p:txBody>
       </p:sp>
@@ -23937,59 +23922,17 @@
               </a:rPr>
               <a:t>(</a:t>
             </a:r>
-            <a:br>
-              <a:rPr lang="en-US" sz="2000" dirty="0" smtClean="0">
+            <a:r>
+              <a:rPr lang="en-US" sz="2000" smtClean="0">
                 <a:latin typeface="Consolas" panose="020B0609020204030204" pitchFamily="49" charset="0"/>
                 <a:cs typeface="Consolas" panose="020B0609020204030204" pitchFamily="49" charset="0"/>
               </a:rPr>
-            </a:br>
-            <a:r>
-              <a:rPr lang="en-US" sz="2000" dirty="0" smtClean="0">
-                <a:latin typeface="Consolas" panose="020B0609020204030204" pitchFamily="49" charset="0"/>
-                <a:cs typeface="Consolas" panose="020B0609020204030204" pitchFamily="49" charset="0"/>
-              </a:rPr>
-              <a:t>	</a:t>
-            </a:r>
-            <a:r>
-              <a:rPr lang="ru-RU" sz="2000" dirty="0" smtClean="0">
-                <a:latin typeface="Consolas" panose="020B0609020204030204" pitchFamily="49" charset="0"/>
-                <a:cs typeface="Consolas" panose="020B0609020204030204" pitchFamily="49" charset="0"/>
-              </a:rPr>
-              <a:t>(</a:t>
-            </a:r>
-            <a:r>
-              <a:rPr lang="en-US" sz="2000" dirty="0" smtClean="0">
-                <a:solidFill>
-                  <a:srgbClr val="0000FF"/>
-                </a:solidFill>
-                <a:highlight>
-                  <a:srgbClr val="FFFFFF"/>
-                </a:highlight>
-                <a:latin typeface="Consolas" panose="020B0609020204030204" pitchFamily="49" charset="0"/>
-              </a:rPr>
-              <a:t>string </a:t>
-            </a:r>
-            <a:r>
-              <a:rPr lang="en-US" sz="2000" dirty="0" smtClean="0">
-                <a:latin typeface="Consolas" panose="020B0609020204030204" pitchFamily="49" charset="0"/>
-                <a:cs typeface="Consolas" panose="020B0609020204030204" pitchFamily="49" charset="0"/>
-              </a:rPr>
-              <a:t>html) =&gt; </a:t>
-            </a:r>
-            <a:r>
-              <a:rPr lang="en-US" sz="2000" dirty="0" err="1" smtClean="0">
-                <a:latin typeface="Consolas" panose="020B0609020204030204" pitchFamily="49" charset="0"/>
-                <a:cs typeface="Consolas" panose="020B0609020204030204" pitchFamily="49" charset="0"/>
-              </a:rPr>
-              <a:t>HtmlParser.ExtractUrls</a:t>
-            </a:r>
-            <a:r>
-              <a:rPr lang="en-US" sz="2000" dirty="0" smtClean="0">
-                <a:latin typeface="Consolas" panose="020B0609020204030204" pitchFamily="49" charset="0"/>
-                <a:cs typeface="Consolas" panose="020B0609020204030204" pitchFamily="49" charset="0"/>
-              </a:rPr>
-              <a:t>(html))</a:t>
-            </a:r>
+              <a:t>HtmlParser.ExtractUrls)</a:t>
+            </a:r>
+            <a:endParaRPr lang="en-US" sz="2000" dirty="0" smtClean="0">
+              <a:latin typeface="Consolas" panose="020B0609020204030204" pitchFamily="49" charset="0"/>
+              <a:cs typeface="Consolas" panose="020B0609020204030204" pitchFamily="49" charset="0"/>
+            </a:endParaRPr>
           </a:p>
           <a:p>
             <a:pPr marL="0" indent="0">
